--- a/project/one_slide_partee_gibson.pptx
+++ b/project/one_slide_partee_gibson.pptx
@@ -197,7 +197,7 @@
           <a:p>
             <a:fld id="{1E953829-5243-4F54-92C8-F4CD1A0AF00D}" type="datetimeFigureOut">
               <a:rPr lang="en-US" smtClean="0"/>
-              <a:t>2/17/2017</a:t>
+              <a:t>2/23/2017</a:t>
             </a:fld>
             <a:endParaRPr lang="en-US"/>
           </a:p>
@@ -768,7 +768,7 @@
           <a:p>
             <a:fld id="{A18A3DEE-9FB7-482C-8B96-AF6F4F78E7AE}" type="datetimeFigureOut">
               <a:rPr lang="en-US" smtClean="0"/>
-              <a:t>2/17/2017</a:t>
+              <a:t>2/23/2017</a:t>
             </a:fld>
             <a:endParaRPr lang="en-US"/>
           </a:p>
@@ -936,7 +936,7 @@
           <a:p>
             <a:fld id="{A18A3DEE-9FB7-482C-8B96-AF6F4F78E7AE}" type="datetimeFigureOut">
               <a:rPr lang="en-US" smtClean="0"/>
-              <a:t>2/17/2017</a:t>
+              <a:t>2/23/2017</a:t>
             </a:fld>
             <a:endParaRPr lang="en-US"/>
           </a:p>
@@ -1114,7 +1114,7 @@
           <a:p>
             <a:fld id="{A18A3DEE-9FB7-482C-8B96-AF6F4F78E7AE}" type="datetimeFigureOut">
               <a:rPr lang="en-US" smtClean="0"/>
-              <a:t>2/17/2017</a:t>
+              <a:t>2/23/2017</a:t>
             </a:fld>
             <a:endParaRPr lang="en-US"/>
           </a:p>
@@ -1282,7 +1282,7 @@
           <a:p>
             <a:fld id="{A18A3DEE-9FB7-482C-8B96-AF6F4F78E7AE}" type="datetimeFigureOut">
               <a:rPr lang="en-US" smtClean="0"/>
-              <a:t>2/17/2017</a:t>
+              <a:t>2/23/2017</a:t>
             </a:fld>
             <a:endParaRPr lang="en-US"/>
           </a:p>
@@ -1527,7 +1527,7 @@
           <a:p>
             <a:fld id="{A18A3DEE-9FB7-482C-8B96-AF6F4F78E7AE}" type="datetimeFigureOut">
               <a:rPr lang="en-US" smtClean="0"/>
-              <a:t>2/17/2017</a:t>
+              <a:t>2/23/2017</a:t>
             </a:fld>
             <a:endParaRPr lang="en-US"/>
           </a:p>
@@ -1756,7 +1756,7 @@
           <a:p>
             <a:fld id="{A18A3DEE-9FB7-482C-8B96-AF6F4F78E7AE}" type="datetimeFigureOut">
               <a:rPr lang="en-US" smtClean="0"/>
-              <a:t>2/17/2017</a:t>
+              <a:t>2/23/2017</a:t>
             </a:fld>
             <a:endParaRPr lang="en-US"/>
           </a:p>
@@ -2120,7 +2120,7 @@
           <a:p>
             <a:fld id="{A18A3DEE-9FB7-482C-8B96-AF6F4F78E7AE}" type="datetimeFigureOut">
               <a:rPr lang="en-US" smtClean="0"/>
-              <a:t>2/17/2017</a:t>
+              <a:t>2/23/2017</a:t>
             </a:fld>
             <a:endParaRPr lang="en-US"/>
           </a:p>
@@ -2237,7 +2237,7 @@
           <a:p>
             <a:fld id="{A18A3DEE-9FB7-482C-8B96-AF6F4F78E7AE}" type="datetimeFigureOut">
               <a:rPr lang="en-US" smtClean="0"/>
-              <a:t>2/17/2017</a:t>
+              <a:t>2/23/2017</a:t>
             </a:fld>
             <a:endParaRPr lang="en-US"/>
           </a:p>
@@ -2332,7 +2332,7 @@
           <a:p>
             <a:fld id="{A18A3DEE-9FB7-482C-8B96-AF6F4F78E7AE}" type="datetimeFigureOut">
               <a:rPr lang="en-US" smtClean="0"/>
-              <a:t>2/17/2017</a:t>
+              <a:t>2/23/2017</a:t>
             </a:fld>
             <a:endParaRPr lang="en-US"/>
           </a:p>
@@ -2607,7 +2607,7 @@
           <a:p>
             <a:fld id="{A18A3DEE-9FB7-482C-8B96-AF6F4F78E7AE}" type="datetimeFigureOut">
               <a:rPr lang="en-US" smtClean="0"/>
-              <a:t>2/17/2017</a:t>
+              <a:t>2/23/2017</a:t>
             </a:fld>
             <a:endParaRPr lang="en-US"/>
           </a:p>
@@ -2859,7 +2859,7 @@
           <a:p>
             <a:fld id="{A18A3DEE-9FB7-482C-8B96-AF6F4F78E7AE}" type="datetimeFigureOut">
               <a:rPr lang="en-US" smtClean="0"/>
-              <a:t>2/17/2017</a:t>
+              <a:t>2/23/2017</a:t>
             </a:fld>
             <a:endParaRPr lang="en-US"/>
           </a:p>
@@ -3070,7 +3070,7 @@
           <a:p>
             <a:fld id="{A18A3DEE-9FB7-482C-8B96-AF6F4F78E7AE}" type="datetimeFigureOut">
               <a:rPr lang="en-US" smtClean="0"/>
-              <a:t>2/17/2017</a:t>
+              <a:t>2/23/2017</a:t>
             </a:fld>
             <a:endParaRPr lang="en-US"/>
           </a:p>
@@ -3583,7 +3583,7 @@
         </p:blipFill>
         <p:spPr>
           <a:xfrm>
-            <a:off x="7759156" y="3476561"/>
+            <a:off x="12158918" y="3211067"/>
             <a:ext cx="3458419" cy="3518264"/>
           </a:xfrm>
           <a:prstGeom prst="rect">
@@ -4121,52 +4121,6 @@
           </a:prstGeom>
         </p:spPr>
       </p:pic>
-      <p:sp>
-        <p:nvSpPr>
-          <p:cNvPr id="3" name="Rectangle 2"/>
-          <p:cNvSpPr/>
-          <p:nvPr/>
-        </p:nvSpPr>
-        <p:spPr>
-          <a:xfrm>
-            <a:off x="9005454" y="3651369"/>
-            <a:ext cx="1097230" cy="430947"/>
-          </a:xfrm>
-          <a:prstGeom prst="rect">
-            <a:avLst/>
-          </a:prstGeom>
-          <a:solidFill>
-            <a:schemeClr val="bg1"/>
-          </a:solidFill>
-          <a:ln>
-            <a:noFill/>
-          </a:ln>
-        </p:spPr>
-        <p:style>
-          <a:lnRef idx="2">
-            <a:schemeClr val="accent1">
-              <a:shade val="50000"/>
-            </a:schemeClr>
-          </a:lnRef>
-          <a:fillRef idx="1">
-            <a:schemeClr val="accent1"/>
-          </a:fillRef>
-          <a:effectRef idx="0">
-            <a:schemeClr val="accent1"/>
-          </a:effectRef>
-          <a:fontRef idx="minor">
-            <a:schemeClr val="lt1"/>
-          </a:fontRef>
-        </p:style>
-        <p:txBody>
-          <a:bodyPr rtlCol="0" anchor="ctr"/>
-          <a:lstStyle/>
-          <a:p>
-            <a:pPr algn="ctr"/>
-            <a:endParaRPr lang="en-US"/>
-          </a:p>
-        </p:txBody>
-      </p:sp>
     </p:spTree>
     <p:extLst>
       <p:ext uri="{BB962C8B-B14F-4D97-AF65-F5344CB8AC3E}">
